--- a/CS2100/CS2100 Tutorial 4.pptx
+++ b/CS2100/CS2100 Tutorial 4.pptx
@@ -230,7 +230,7 @@
           <a:p>
             <a:fld id="{88602102-26BC-4ECA-9243-6BB9B8BC366F}" type="datetimeFigureOut">
               <a:rPr lang="en-US" smtClean="0"/>
-              <a:t>9/8/2024</a:t>
+              <a:t>9/19/2024</a:t>
             </a:fld>
             <a:endParaRPr lang="en-US"/>
           </a:p>
@@ -2748,7 +2748,7 @@
           <a:p>
             <a:fld id="{6CCF18BA-79E2-4428-BC0A-399EA0551CA6}" type="datetimeFigureOut">
               <a:rPr lang="en-US" smtClean="0"/>
-              <a:t>9/8/2024</a:t>
+              <a:t>9/19/2024</a:t>
             </a:fld>
             <a:endParaRPr lang="en-US"/>
           </a:p>
@@ -2978,7 +2978,7 @@
           <a:p>
             <a:fld id="{6CCF18BA-79E2-4428-BC0A-399EA0551CA6}" type="datetimeFigureOut">
               <a:rPr lang="en-US" smtClean="0"/>
-              <a:t>9/8/2024</a:t>
+              <a:t>9/19/2024</a:t>
             </a:fld>
             <a:endParaRPr lang="en-US"/>
           </a:p>
@@ -3218,7 +3218,7 @@
           <a:p>
             <a:fld id="{6CCF18BA-79E2-4428-BC0A-399EA0551CA6}" type="datetimeFigureOut">
               <a:rPr lang="en-US" smtClean="0"/>
-              <a:t>9/8/2024</a:t>
+              <a:t>9/19/2024</a:t>
             </a:fld>
             <a:endParaRPr lang="en-US"/>
           </a:p>
@@ -3448,7 +3448,7 @@
           <a:p>
             <a:fld id="{6CCF18BA-79E2-4428-BC0A-399EA0551CA6}" type="datetimeFigureOut">
               <a:rPr lang="en-US" smtClean="0"/>
-              <a:t>9/8/2024</a:t>
+              <a:t>9/19/2024</a:t>
             </a:fld>
             <a:endParaRPr lang="en-US"/>
           </a:p>
@@ -3726,7 +3726,7 @@
           <a:p>
             <a:fld id="{6CCF18BA-79E2-4428-BC0A-399EA0551CA6}" type="datetimeFigureOut">
               <a:rPr lang="en-US" smtClean="0"/>
-              <a:t>9/8/2024</a:t>
+              <a:t>9/19/2024</a:t>
             </a:fld>
             <a:endParaRPr lang="en-US"/>
           </a:p>
@@ -4049,7 +4049,7 @@
           <a:p>
             <a:fld id="{6CCF18BA-79E2-4428-BC0A-399EA0551CA6}" type="datetimeFigureOut">
               <a:rPr lang="en-US" smtClean="0"/>
-              <a:t>9/8/2024</a:t>
+              <a:t>9/19/2024</a:t>
             </a:fld>
             <a:endParaRPr lang="en-US"/>
           </a:p>
@@ -4523,7 +4523,7 @@
           <a:p>
             <a:fld id="{6CCF18BA-79E2-4428-BC0A-399EA0551CA6}" type="datetimeFigureOut">
               <a:rPr lang="en-US" smtClean="0"/>
-              <a:t>9/8/2024</a:t>
+              <a:t>9/19/2024</a:t>
             </a:fld>
             <a:endParaRPr lang="en-US"/>
           </a:p>
@@ -4670,7 +4670,7 @@
           <a:p>
             <a:fld id="{6CCF18BA-79E2-4428-BC0A-399EA0551CA6}" type="datetimeFigureOut">
               <a:rPr lang="en-US" smtClean="0"/>
-              <a:t>9/8/2024</a:t>
+              <a:t>9/19/2024</a:t>
             </a:fld>
             <a:endParaRPr lang="en-US"/>
           </a:p>
@@ -4783,7 +4783,7 @@
           <a:p>
             <a:fld id="{6CCF18BA-79E2-4428-BC0A-399EA0551CA6}" type="datetimeFigureOut">
               <a:rPr lang="en-US" smtClean="0"/>
-              <a:t>9/8/2024</a:t>
+              <a:t>9/19/2024</a:t>
             </a:fld>
             <a:endParaRPr lang="en-US"/>
           </a:p>
@@ -5108,7 +5108,7 @@
           <a:p>
             <a:fld id="{6CCF18BA-79E2-4428-BC0A-399EA0551CA6}" type="datetimeFigureOut">
               <a:rPr lang="en-US" smtClean="0"/>
-              <a:t>9/8/2024</a:t>
+              <a:t>9/19/2024</a:t>
             </a:fld>
             <a:endParaRPr lang="en-US"/>
           </a:p>
@@ -5400,7 +5400,7 @@
           <a:p>
             <a:fld id="{6CCF18BA-79E2-4428-BC0A-399EA0551CA6}" type="datetimeFigureOut">
               <a:rPr lang="en-US" smtClean="0"/>
-              <a:t>9/8/2024</a:t>
+              <a:t>9/19/2024</a:t>
             </a:fld>
             <a:endParaRPr lang="en-US"/>
           </a:p>
@@ -5641,7 +5641,7 @@
           <a:p>
             <a:fld id="{6CCF18BA-79E2-4428-BC0A-399EA0551CA6}" type="datetimeFigureOut">
               <a:rPr lang="en-US" smtClean="0"/>
-              <a:t>9/8/2024</a:t>
+              <a:t>9/19/2024</a:t>
             </a:fld>
             <a:endParaRPr lang="en-US"/>
           </a:p>
@@ -6118,7 +6118,9 @@
         </p:nvSpPr>
         <p:spPr/>
         <p:txBody>
-          <a:bodyPr/>
+          <a:bodyPr>
+            <a:normAutofit fontScale="92500" lnSpcReduction="10000"/>
+          </a:bodyPr>
           <a:lstStyle/>
           <a:p>
             <a:r>
@@ -6128,10 +6130,19 @@
               <a:t>Datapath</a:t>
             </a:r>
             <a:br>
-              <a:rPr lang="en-US" dirty="0">
+              <a:rPr lang="en-US">
                 <a:latin typeface="AndesNeue Alt 2 Book" panose="00000500000000000000" pitchFamily="2" charset="0"/>
               </a:rPr>
             </a:br>
+            <a:endParaRPr lang="en-US">
+              <a:latin typeface="AndesNeue Alt 2 Book" panose="00000500000000000000" pitchFamily="2" charset="0"/>
+            </a:endParaRPr>
+          </a:p>
+          <a:p>
+            <a:r>
+              <a:rPr lang="en-US"/>
+              <a:t>(Note: I'm very sick so another TA will teach this class with (most likely) not this set of slides)</a:t>
+            </a:r>
             <a:br>
               <a:rPr lang="en-US" dirty="0">
                 <a:latin typeface="AndesNeue Alt 2 Book" panose="00000500000000000000" pitchFamily="2" charset="0"/>
